--- a/회원DB_다이어그램.pptx
+++ b/회원DB_다이어그램.pptx
@@ -3338,6 +3338,356 @@
           <a:chExt cx="0" cy="0"/>
         </a:xfrm>
       </p:grpSpPr>
+      <p:sp>
+        <p:nvSpPr>
+          <p:cNvPr id="2" name="제목 1">
+            <a:extLst>
+              <a:ext uri="{FF2B5EF4-FFF2-40B4-BE49-F238E27FC236}">
+                <a16:creationId xmlns:a16="http://schemas.microsoft.com/office/drawing/2014/main" id="{3F42E520-114B-49F0-A9D7-0412F9C92E43}"/>
+              </a:ext>
+            </a:extLst>
+          </p:cNvPr>
+          <p:cNvSpPr txBox="1">
+            <a:spLocks/>
+          </p:cNvSpPr>
+          <p:nvPr/>
+        </p:nvSpPr>
+        <p:spPr>
+          <a:xfrm>
+            <a:off x="0" y="106680"/>
+            <a:ext cx="1691640" cy="398938"/>
+          </a:xfrm>
+          <a:prstGeom prst="rect">
+            <a:avLst/>
+          </a:prstGeom>
+        </p:spPr>
+        <p:txBody>
+          <a:bodyPr vert="horz" lIns="91440" tIns="45720" rIns="91440" bIns="45720" rtlCol="0" anchor="b">
+            <a:normAutofit/>
+          </a:bodyPr>
+          <a:lstStyle>
+            <a:lvl1pPr algn="ctr" defTabSz="914400" rtl="0" eaLnBrk="1" latinLnBrk="1" hangingPunct="1">
+              <a:lnSpc>
+                <a:spcPct val="90000"/>
+              </a:lnSpc>
+              <a:spcBef>
+                <a:spcPct val="0"/>
+              </a:spcBef>
+              <a:buNone/>
+              <a:defRPr sz="6000" kern="1200">
+                <a:solidFill>
+                  <a:schemeClr val="tx1"/>
+                </a:solidFill>
+                <a:latin typeface="+mj-lt"/>
+                <a:ea typeface="+mj-ea"/>
+                <a:cs typeface="+mj-cs"/>
+              </a:defRPr>
+            </a:lvl1pPr>
+          </a:lstStyle>
+          <a:p>
+            <a:r>
+              <a:rPr lang="ko-KR" altLang="en-US" sz="1500" dirty="0"/>
+              <a:t>마이페이지</a:t>
+            </a:r>
+          </a:p>
+        </p:txBody>
+      </p:sp>
+      <p:sp>
+        <p:nvSpPr>
+          <p:cNvPr id="4" name="사각형: 둥근 모서리 3">
+            <a:extLst>
+              <a:ext uri="{FF2B5EF4-FFF2-40B4-BE49-F238E27FC236}">
+                <a16:creationId xmlns:a16="http://schemas.microsoft.com/office/drawing/2014/main" id="{5DC4A395-631F-4590-B7C1-DC21706D1946}"/>
+              </a:ext>
+            </a:extLst>
+          </p:cNvPr>
+          <p:cNvSpPr/>
+          <p:nvPr/>
+        </p:nvSpPr>
+        <p:spPr>
+          <a:xfrm>
+            <a:off x="2918612" y="1993852"/>
+            <a:ext cx="1842655" cy="642348"/>
+          </a:xfrm>
+          <a:prstGeom prst="roundRect">
+            <a:avLst/>
+          </a:prstGeom>
+        </p:spPr>
+        <p:style>
+          <a:lnRef idx="2">
+            <a:schemeClr val="accent1">
+              <a:shade val="50000"/>
+            </a:schemeClr>
+          </a:lnRef>
+          <a:fillRef idx="1">
+            <a:schemeClr val="accent1"/>
+          </a:fillRef>
+          <a:effectRef idx="0">
+            <a:schemeClr val="accent1"/>
+          </a:effectRef>
+          <a:fontRef idx="minor">
+            <a:schemeClr val="lt1"/>
+          </a:fontRef>
+        </p:style>
+        <p:txBody>
+          <a:bodyPr rtlCol="0" anchor="ctr"/>
+          <a:lstStyle/>
+          <a:p>
+            <a:pPr algn="ctr"/>
+            <a:r>
+              <a:rPr lang="ko-KR" altLang="en-US" sz="1500" dirty="0"/>
+              <a:t>아이디</a:t>
+            </a:r>
+            <a:r>
+              <a:rPr lang="en-US" altLang="ko-KR" sz="1500" dirty="0"/>
+              <a:t>/</a:t>
+            </a:r>
+            <a:r>
+              <a:rPr lang="ko-KR" altLang="en-US" sz="1500" dirty="0"/>
+              <a:t>비밀번호</a:t>
+            </a:r>
+            <a:r>
+              <a:rPr lang="en-US" altLang="ko-KR" sz="1500" dirty="0"/>
+              <a:t> </a:t>
+            </a:r>
+            <a:r>
+              <a:rPr lang="ko-KR" altLang="en-US" sz="1500" dirty="0"/>
+              <a:t>찾기 클릭</a:t>
+            </a:r>
+          </a:p>
+        </p:txBody>
+      </p:sp>
+      <p:sp>
+        <p:nvSpPr>
+          <p:cNvPr id="5" name="타원 4">
+            <a:extLst>
+              <a:ext uri="{FF2B5EF4-FFF2-40B4-BE49-F238E27FC236}">
+                <a16:creationId xmlns:a16="http://schemas.microsoft.com/office/drawing/2014/main" id="{06125255-AC2B-453B-A38E-70B9DD4F19D0}"/>
+              </a:ext>
+            </a:extLst>
+          </p:cNvPr>
+          <p:cNvSpPr/>
+          <p:nvPr/>
+        </p:nvSpPr>
+        <p:spPr>
+          <a:xfrm>
+            <a:off x="237892" y="3392488"/>
+            <a:ext cx="419435" cy="381305"/>
+          </a:xfrm>
+          <a:prstGeom prst="ellipse">
+            <a:avLst/>
+          </a:prstGeom>
+        </p:spPr>
+        <p:style>
+          <a:lnRef idx="2">
+            <a:schemeClr val="accent1">
+              <a:shade val="50000"/>
+            </a:schemeClr>
+          </a:lnRef>
+          <a:fillRef idx="1">
+            <a:schemeClr val="accent1"/>
+          </a:fillRef>
+          <a:effectRef idx="0">
+            <a:schemeClr val="accent1"/>
+          </a:effectRef>
+          <a:fontRef idx="minor">
+            <a:schemeClr val="lt1"/>
+          </a:fontRef>
+        </p:style>
+        <p:txBody>
+          <a:bodyPr rtlCol="0" anchor="ctr"/>
+          <a:lstStyle/>
+          <a:p>
+            <a:pPr algn="ctr"/>
+            <a:endParaRPr lang="ko-KR" altLang="en-US" sz="1500"/>
+          </a:p>
+        </p:txBody>
+      </p:sp>
+      <p:cxnSp>
+        <p:nvCxnSpPr>
+          <p:cNvPr id="6" name="직선 연결선 5">
+            <a:extLst>
+              <a:ext uri="{FF2B5EF4-FFF2-40B4-BE49-F238E27FC236}">
+                <a16:creationId xmlns:a16="http://schemas.microsoft.com/office/drawing/2014/main" id="{25872B91-303F-4061-BA70-E263A0F8DF14}"/>
+              </a:ext>
+            </a:extLst>
+          </p:cNvPr>
+          <p:cNvCxnSpPr/>
+          <p:nvPr/>
+        </p:nvCxnSpPr>
+        <p:spPr>
+          <a:xfrm>
+            <a:off x="-3898" y="4122062"/>
+            <a:ext cx="822321" cy="0"/>
+          </a:xfrm>
+          <a:prstGeom prst="line">
+            <a:avLst/>
+          </a:prstGeom>
+        </p:spPr>
+        <p:style>
+          <a:lnRef idx="1">
+            <a:schemeClr val="accent1"/>
+          </a:lnRef>
+          <a:fillRef idx="0">
+            <a:schemeClr val="accent1"/>
+          </a:fillRef>
+          <a:effectRef idx="0">
+            <a:schemeClr val="accent1"/>
+          </a:effectRef>
+          <a:fontRef idx="minor">
+            <a:schemeClr val="tx1"/>
+          </a:fontRef>
+        </p:style>
+      </p:cxnSp>
+      <p:cxnSp>
+        <p:nvCxnSpPr>
+          <p:cNvPr id="7" name="직선 연결선 6">
+            <a:extLst>
+              <a:ext uri="{FF2B5EF4-FFF2-40B4-BE49-F238E27FC236}">
+                <a16:creationId xmlns:a16="http://schemas.microsoft.com/office/drawing/2014/main" id="{E80DA235-78C5-418B-8CAF-F06C3D61817F}"/>
+              </a:ext>
+            </a:extLst>
+          </p:cNvPr>
+          <p:cNvCxnSpPr>
+            <a:stCxn id="5" idx="4"/>
+          </p:cNvCxnSpPr>
+          <p:nvPr/>
+        </p:nvCxnSpPr>
+        <p:spPr>
+          <a:xfrm>
+            <a:off x="447610" y="3773793"/>
+            <a:ext cx="36091" cy="600515"/>
+          </a:xfrm>
+          <a:prstGeom prst="line">
+            <a:avLst/>
+          </a:prstGeom>
+        </p:spPr>
+        <p:style>
+          <a:lnRef idx="1">
+            <a:schemeClr val="accent1"/>
+          </a:lnRef>
+          <a:fillRef idx="0">
+            <a:schemeClr val="accent1"/>
+          </a:fillRef>
+          <a:effectRef idx="0">
+            <a:schemeClr val="accent1"/>
+          </a:effectRef>
+          <a:fontRef idx="minor">
+            <a:schemeClr val="tx1"/>
+          </a:fontRef>
+        </p:style>
+      </p:cxnSp>
+      <p:cxnSp>
+        <p:nvCxnSpPr>
+          <p:cNvPr id="8" name="직선 연결선 7">
+            <a:extLst>
+              <a:ext uri="{FF2B5EF4-FFF2-40B4-BE49-F238E27FC236}">
+                <a16:creationId xmlns:a16="http://schemas.microsoft.com/office/drawing/2014/main" id="{89F4E879-8C78-4766-B609-9D2C946ED72F}"/>
+              </a:ext>
+            </a:extLst>
+          </p:cNvPr>
+          <p:cNvCxnSpPr>
+            <a:cxnSpLocks/>
+          </p:cNvCxnSpPr>
+          <p:nvPr/>
+        </p:nvCxnSpPr>
+        <p:spPr>
+          <a:xfrm>
+            <a:off x="513394" y="4345565"/>
+            <a:ext cx="180025" cy="444754"/>
+          </a:xfrm>
+          <a:prstGeom prst="line">
+            <a:avLst/>
+          </a:prstGeom>
+        </p:spPr>
+        <p:style>
+          <a:lnRef idx="1">
+            <a:schemeClr val="accent1"/>
+          </a:lnRef>
+          <a:fillRef idx="0">
+            <a:schemeClr val="accent1"/>
+          </a:fillRef>
+          <a:effectRef idx="0">
+            <a:schemeClr val="accent1"/>
+          </a:effectRef>
+          <a:fontRef idx="minor">
+            <a:schemeClr val="tx1"/>
+          </a:fontRef>
+        </p:style>
+      </p:cxnSp>
+      <p:cxnSp>
+        <p:nvCxnSpPr>
+          <p:cNvPr id="9" name="직선 연결선 8">
+            <a:extLst>
+              <a:ext uri="{FF2B5EF4-FFF2-40B4-BE49-F238E27FC236}">
+                <a16:creationId xmlns:a16="http://schemas.microsoft.com/office/drawing/2014/main" id="{144DE08B-07D0-4883-8F43-F2A15E8297CA}"/>
+              </a:ext>
+            </a:extLst>
+          </p:cNvPr>
+          <p:cNvCxnSpPr>
+            <a:cxnSpLocks/>
+          </p:cNvCxnSpPr>
+          <p:nvPr/>
+        </p:nvCxnSpPr>
+        <p:spPr>
+          <a:xfrm flipV="1">
+            <a:off x="273912" y="4345565"/>
+            <a:ext cx="180025" cy="444753"/>
+          </a:xfrm>
+          <a:prstGeom prst="line">
+            <a:avLst/>
+          </a:prstGeom>
+        </p:spPr>
+        <p:style>
+          <a:lnRef idx="1">
+            <a:schemeClr val="accent1"/>
+          </a:lnRef>
+          <a:fillRef idx="0">
+            <a:schemeClr val="accent1"/>
+          </a:fillRef>
+          <a:effectRef idx="0">
+            <a:schemeClr val="accent1"/>
+          </a:effectRef>
+          <a:fontRef idx="minor">
+            <a:schemeClr val="tx1"/>
+          </a:fontRef>
+        </p:style>
+      </p:cxnSp>
+      <p:sp>
+        <p:nvSpPr>
+          <p:cNvPr id="10" name="TextBox 9">
+            <a:extLst>
+              <a:ext uri="{FF2B5EF4-FFF2-40B4-BE49-F238E27FC236}">
+                <a16:creationId xmlns:a16="http://schemas.microsoft.com/office/drawing/2014/main" id="{51BED91C-0FF9-41BF-84F2-487C90FE9276}"/>
+              </a:ext>
+            </a:extLst>
+          </p:cNvPr>
+          <p:cNvSpPr txBox="1"/>
+          <p:nvPr/>
+        </p:nvSpPr>
+        <p:spPr>
+          <a:xfrm>
+            <a:off x="-89087" y="3027988"/>
+            <a:ext cx="761747" cy="323165"/>
+          </a:xfrm>
+          <a:prstGeom prst="rect">
+            <a:avLst/>
+          </a:prstGeom>
+          <a:noFill/>
+        </p:spPr>
+        <p:txBody>
+          <a:bodyPr wrap="none" rtlCol="0">
+            <a:spAutoFit/>
+          </a:bodyPr>
+          <a:lstStyle/>
+          <a:p>
+            <a:r>
+              <a:rPr lang="ko-KR" altLang="en-US" sz="1500" dirty="0"/>
+              <a:t>사용자</a:t>
+            </a:r>
+          </a:p>
+        </p:txBody>
+      </p:sp>
     </p:spTree>
     <p:extLst>
       <p:ext uri="{BB962C8B-B14F-4D97-AF65-F5344CB8AC3E}">
@@ -3386,8 +3736,8 @@
         </p:nvSpPr>
         <p:spPr>
           <a:xfrm>
-            <a:off x="0" y="18255"/>
-            <a:ext cx="10515600" cy="1325563"/>
+            <a:off x="0" y="18256"/>
+            <a:ext cx="1691640" cy="425277"/>
           </a:xfrm>
         </p:spPr>
         <p:txBody>
@@ -3944,14 +4294,15 @@
           </p:cNvPr>
           <p:cNvCxnSpPr>
             <a:cxnSpLocks/>
+            <a:stCxn id="52" idx="7"/>
             <a:endCxn id="8" idx="1"/>
           </p:cNvCxnSpPr>
           <p:nvPr/>
         </p:nvCxnSpPr>
         <p:spPr>
           <a:xfrm flipV="1">
-            <a:off x="902725" y="1678205"/>
-            <a:ext cx="1414448" cy="1609783"/>
+            <a:off x="683828" y="1678205"/>
+            <a:ext cx="1633345" cy="752815"/>
           </a:xfrm>
           <a:prstGeom prst="straightConnector1">
             <a:avLst/>
@@ -4253,14 +4604,15 @@
           </p:cNvPr>
           <p:cNvCxnSpPr>
             <a:cxnSpLocks/>
+            <a:stCxn id="52" idx="6"/>
             <a:endCxn id="5" idx="1"/>
           </p:cNvCxnSpPr>
           <p:nvPr/>
         </p:nvCxnSpPr>
         <p:spPr>
-          <a:xfrm flipV="1">
-            <a:off x="960185" y="3251157"/>
-            <a:ext cx="608104" cy="255691"/>
+          <a:xfrm>
+            <a:off x="766723" y="2612954"/>
+            <a:ext cx="801566" cy="638203"/>
           </a:xfrm>
           <a:prstGeom prst="straightConnector1">
             <a:avLst/>
@@ -5037,14 +5389,15 @@
           </p:cNvPr>
           <p:cNvCxnSpPr>
             <a:cxnSpLocks/>
+            <a:stCxn id="52" idx="5"/>
             <a:endCxn id="92" idx="1"/>
           </p:cNvCxnSpPr>
           <p:nvPr/>
         </p:nvCxnSpPr>
         <p:spPr>
           <a:xfrm>
-            <a:off x="911685" y="4044673"/>
-            <a:ext cx="534588" cy="486611"/>
+            <a:off x="683828" y="2794888"/>
+            <a:ext cx="762445" cy="1736396"/>
           </a:xfrm>
           <a:prstGeom prst="straightConnector1">
             <a:avLst/>
@@ -5411,6 +5764,88 @@
           </a:fontRef>
         </p:style>
       </p:cxnSp>
+      <p:sp>
+        <p:nvSpPr>
+          <p:cNvPr id="52" name="타원 51">
+            <a:extLst>
+              <a:ext uri="{FF2B5EF4-FFF2-40B4-BE49-F238E27FC236}">
+                <a16:creationId xmlns:a16="http://schemas.microsoft.com/office/drawing/2014/main" id="{2A60E66C-7440-46AE-ACAA-8EA0BBDAC8B5}"/>
+              </a:ext>
+            </a:extLst>
+          </p:cNvPr>
+          <p:cNvSpPr/>
+          <p:nvPr/>
+        </p:nvSpPr>
+        <p:spPr>
+          <a:xfrm>
+            <a:off x="200678" y="2355661"/>
+            <a:ext cx="566045" cy="514586"/>
+          </a:xfrm>
+          <a:prstGeom prst="ellipse">
+            <a:avLst/>
+          </a:prstGeom>
+        </p:spPr>
+        <p:style>
+          <a:lnRef idx="2">
+            <a:schemeClr val="accent1">
+              <a:shade val="50000"/>
+            </a:schemeClr>
+          </a:lnRef>
+          <a:fillRef idx="1">
+            <a:schemeClr val="accent1"/>
+          </a:fillRef>
+          <a:effectRef idx="0">
+            <a:schemeClr val="accent1"/>
+          </a:effectRef>
+          <a:fontRef idx="minor">
+            <a:schemeClr val="lt1"/>
+          </a:fontRef>
+        </p:style>
+        <p:txBody>
+          <a:bodyPr rtlCol="0" anchor="ctr"/>
+          <a:lstStyle/>
+          <a:p>
+            <a:pPr algn="ctr"/>
+            <a:endParaRPr lang="ko-KR" altLang="en-US" sz="1500"/>
+          </a:p>
+        </p:txBody>
+      </p:sp>
+      <p:sp>
+        <p:nvSpPr>
+          <p:cNvPr id="55" name="TextBox 54">
+            <a:extLst>
+              <a:ext uri="{FF2B5EF4-FFF2-40B4-BE49-F238E27FC236}">
+                <a16:creationId xmlns:a16="http://schemas.microsoft.com/office/drawing/2014/main" id="{FE3BF947-5D3F-43C8-AC83-79ADDFA1BF42}"/>
+              </a:ext>
+            </a:extLst>
+          </p:cNvPr>
+          <p:cNvSpPr txBox="1"/>
+          <p:nvPr/>
+        </p:nvSpPr>
+        <p:spPr>
+          <a:xfrm>
+            <a:off x="45879" y="1830210"/>
+            <a:ext cx="1213794" cy="323165"/>
+          </a:xfrm>
+          <a:prstGeom prst="rect">
+            <a:avLst/>
+          </a:prstGeom>
+          <a:noFill/>
+        </p:spPr>
+        <p:txBody>
+          <a:bodyPr wrap="none" rtlCol="0">
+            <a:spAutoFit/>
+          </a:bodyPr>
+          <a:lstStyle/>
+          <a:p>
+            <a:pPr algn="ctr"/>
+            <a:r>
+              <a:rPr lang="ko-KR" altLang="en-US" sz="1500" dirty="0"/>
+              <a:t>이전 페이지</a:t>
+            </a:r>
+          </a:p>
+        </p:txBody>
+      </p:sp>
     </p:spTree>
     <p:extLst>
       <p:ext uri="{BB962C8B-B14F-4D97-AF65-F5344CB8AC3E}">
